--- a/Notes/2_essentials_review.pptx
+++ b/Notes/2_essentials_review.pptx
@@ -13,9 +13,9 @@
     <p:sldId id="348" r:id="rId4"/>
     <p:sldId id="349" r:id="rId5"/>
     <p:sldId id="350" r:id="rId6"/>
-    <p:sldId id="355" r:id="rId7"/>
-    <p:sldId id="352" r:id="rId8"/>
-    <p:sldId id="351" r:id="rId9"/>
+    <p:sldId id="351" r:id="rId7"/>
+    <p:sldId id="355" r:id="rId8"/>
+    <p:sldId id="352" r:id="rId9"/>
     <p:sldId id="280" r:id="rId10"/>
     <p:sldId id="257" r:id="rId11"/>
     <p:sldId id="353" r:id="rId12"/>
@@ -210,7 +210,7 @@
           <a:p>
             <a:fld id="{6275D9B6-A60B-B642-BC76-F09FBCA75D7D}" type="datetimeFigureOut">
               <a:rPr lang="en-US" smtClean="0"/>
-              <a:t>7/26/23</a:t>
+              <a:t>8/20/23</a:t>
             </a:fld>
             <a:endParaRPr lang="en-US"/>
           </a:p>
@@ -692,7 +692,7 @@
           <a:p>
             <a:fld id="{7456300D-F203-A841-B2C7-F4113AE25DF9}" type="datetimeFigureOut">
               <a:rPr lang="en-US" smtClean="0"/>
-              <a:t>7/26/23</a:t>
+              <a:t>8/20/23</a:t>
             </a:fld>
             <a:endParaRPr lang="en-US"/>
           </a:p>
@@ -862,7 +862,7 @@
           <a:p>
             <a:fld id="{7456300D-F203-A841-B2C7-F4113AE25DF9}" type="datetimeFigureOut">
               <a:rPr lang="en-US" smtClean="0"/>
-              <a:t>7/26/23</a:t>
+              <a:t>8/20/23</a:t>
             </a:fld>
             <a:endParaRPr lang="en-US"/>
           </a:p>
@@ -1042,7 +1042,7 @@
           <a:p>
             <a:fld id="{7456300D-F203-A841-B2C7-F4113AE25DF9}" type="datetimeFigureOut">
               <a:rPr lang="en-US" smtClean="0"/>
-              <a:t>7/26/23</a:t>
+              <a:t>8/20/23</a:t>
             </a:fld>
             <a:endParaRPr lang="en-US"/>
           </a:p>
@@ -1212,7 +1212,7 @@
           <a:p>
             <a:fld id="{7456300D-F203-A841-B2C7-F4113AE25DF9}" type="datetimeFigureOut">
               <a:rPr lang="en-US" smtClean="0"/>
-              <a:t>7/26/23</a:t>
+              <a:t>8/20/23</a:t>
             </a:fld>
             <a:endParaRPr lang="en-US"/>
           </a:p>
@@ -1456,7 +1456,7 @@
           <a:p>
             <a:fld id="{7456300D-F203-A841-B2C7-F4113AE25DF9}" type="datetimeFigureOut">
               <a:rPr lang="en-US" smtClean="0"/>
-              <a:t>7/26/23</a:t>
+              <a:t>8/20/23</a:t>
             </a:fld>
             <a:endParaRPr lang="en-US"/>
           </a:p>
@@ -1688,7 +1688,7 @@
           <a:p>
             <a:fld id="{7456300D-F203-A841-B2C7-F4113AE25DF9}" type="datetimeFigureOut">
               <a:rPr lang="en-US" smtClean="0"/>
-              <a:t>7/26/23</a:t>
+              <a:t>8/20/23</a:t>
             </a:fld>
             <a:endParaRPr lang="en-US"/>
           </a:p>
@@ -2055,7 +2055,7 @@
           <a:p>
             <a:fld id="{7456300D-F203-A841-B2C7-F4113AE25DF9}" type="datetimeFigureOut">
               <a:rPr lang="en-US" smtClean="0"/>
-              <a:t>7/26/23</a:t>
+              <a:t>8/20/23</a:t>
             </a:fld>
             <a:endParaRPr lang="en-US"/>
           </a:p>
@@ -2173,7 +2173,7 @@
           <a:p>
             <a:fld id="{7456300D-F203-A841-B2C7-F4113AE25DF9}" type="datetimeFigureOut">
               <a:rPr lang="en-US" smtClean="0"/>
-              <a:t>7/26/23</a:t>
+              <a:t>8/20/23</a:t>
             </a:fld>
             <a:endParaRPr lang="en-US"/>
           </a:p>
@@ -2268,7 +2268,7 @@
           <a:p>
             <a:fld id="{7456300D-F203-A841-B2C7-F4113AE25DF9}" type="datetimeFigureOut">
               <a:rPr lang="en-US" smtClean="0"/>
-              <a:t>7/26/23</a:t>
+              <a:t>8/20/23</a:t>
             </a:fld>
             <a:endParaRPr lang="en-US"/>
           </a:p>
@@ -2545,7 +2545,7 @@
           <a:p>
             <a:fld id="{7456300D-F203-A841-B2C7-F4113AE25DF9}" type="datetimeFigureOut">
               <a:rPr lang="en-US" smtClean="0"/>
-              <a:t>7/26/23</a:t>
+              <a:t>8/20/23</a:t>
             </a:fld>
             <a:endParaRPr lang="en-US"/>
           </a:p>
@@ -2802,7 +2802,7 @@
           <a:p>
             <a:fld id="{7456300D-F203-A841-B2C7-F4113AE25DF9}" type="datetimeFigureOut">
               <a:rPr lang="en-US" smtClean="0"/>
-              <a:t>7/26/23</a:t>
+              <a:t>8/20/23</a:t>
             </a:fld>
             <a:endParaRPr lang="en-US"/>
           </a:p>
@@ -3015,7 +3015,7 @@
           <a:p>
             <a:fld id="{7456300D-F203-A841-B2C7-F4113AE25DF9}" type="datetimeFigureOut">
               <a:rPr lang="en-US" smtClean="0"/>
-              <a:t>7/26/23</a:t>
+              <a:t>8/20/23</a:t>
             </a:fld>
             <a:endParaRPr lang="en-US"/>
           </a:p>
@@ -3443,7 +3443,7 @@
         </p:blipFill>
         <p:spPr bwMode="auto">
           <a:xfrm>
-            <a:off x="57034" y="152400"/>
+            <a:off x="57034" y="163830"/>
             <a:ext cx="9027242" cy="243704"/>
           </a:xfrm>
           <a:prstGeom prst="rect">
@@ -5867,7 +5867,7 @@
         <p:spPr>
           <a:xfrm>
             <a:off x="4165233" y="6320135"/>
-            <a:ext cx="962123" cy="461665"/>
+            <a:ext cx="1031051" cy="461665"/>
           </a:xfrm>
           <a:prstGeom prst="rect">
             <a:avLst/>
@@ -5881,13 +5881,14 @@
           <a:lstStyle/>
           <a:p>
             <a:r>
-              <a:rPr lang="en-US" sz="2400" dirty="0" err="1">
+              <a:rPr lang="en-US" sz="2400" b="1" dirty="0" err="1">
                 <a:latin typeface="Times New Roman" panose="02020603050405020304" pitchFamily="18" charset="0"/>
                 <a:cs typeface="Times New Roman" panose="02020603050405020304" pitchFamily="18" charset="0"/>
+                <a:hlinkClick r:id="rId5"/>
               </a:rPr>
               <a:t>plots.r</a:t>
             </a:r>
-            <a:endParaRPr lang="en-US" sz="2400" dirty="0">
+            <a:endParaRPr lang="en-US" sz="2400" b="1" dirty="0">
               <a:latin typeface="Times New Roman" panose="02020603050405020304" pitchFamily="18" charset="0"/>
               <a:cs typeface="Times New Roman" panose="02020603050405020304" pitchFamily="18" charset="0"/>
             </a:endParaRPr>
@@ -8745,7 +8746,7 @@
         <p:spPr>
           <a:xfrm>
             <a:off x="3634752" y="6320135"/>
-            <a:ext cx="1696298" cy="461665"/>
+            <a:ext cx="1834156" cy="461665"/>
           </a:xfrm>
           <a:prstGeom prst="rect">
             <a:avLst/>
@@ -8759,13 +8760,14 @@
           <a:lstStyle/>
           <a:p>
             <a:r>
-              <a:rPr lang="en-US" sz="2400" dirty="0" err="1">
+              <a:rPr lang="en-US" sz="2400" b="1" dirty="0" err="1">
                 <a:latin typeface="Times New Roman" panose="02020603050405020304" pitchFamily="18" charset="0"/>
                 <a:cs typeface="Times New Roman" panose="02020603050405020304" pitchFamily="18" charset="0"/>
+                <a:hlinkClick r:id="rId4"/>
               </a:rPr>
               <a:t>summaries.r</a:t>
             </a:r>
-            <a:endParaRPr lang="en-US" sz="2400" dirty="0">
+            <a:endParaRPr lang="en-US" sz="2400" b="1" dirty="0">
               <a:latin typeface="Times New Roman" panose="02020603050405020304" pitchFamily="18" charset="0"/>
               <a:cs typeface="Times New Roman" panose="02020603050405020304" pitchFamily="18" charset="0"/>
             </a:endParaRPr>
@@ -14865,6 +14867,884 @@
       </p:grpSpPr>
       <p:sp>
         <p:nvSpPr>
+          <p:cNvPr id="6" name="Rectangle 1">
+            <a:extLst>
+              <a:ext uri="{FF2B5EF4-FFF2-40B4-BE49-F238E27FC236}">
+                <a16:creationId xmlns:a16="http://schemas.microsoft.com/office/drawing/2014/main" id="{A10BAC5D-0057-9E36-1B4D-89C7F1CDF8BF}"/>
+              </a:ext>
+            </a:extLst>
+          </p:cNvPr>
+          <p:cNvSpPr>
+            <a:spLocks noChangeArrowheads="1"/>
+          </p:cNvSpPr>
+          <p:nvPr/>
+        </p:nvSpPr>
+        <p:spPr bwMode="auto">
+          <a:xfrm>
+            <a:off x="0" y="279102"/>
+            <a:ext cx="9104312" cy="871324"/>
+          </a:xfrm>
+          <a:prstGeom prst="rect">
+            <a:avLst/>
+          </a:prstGeom>
+          <a:noFill/>
+          <a:ln w="9525">
+            <a:noFill/>
+            <a:round/>
+            <a:headEnd/>
+            <a:tailEnd/>
+          </a:ln>
+        </p:spPr>
+        <p:txBody>
+          <a:bodyPr lIns="0" tIns="0" rIns="0" bIns="0" anchor="ctr"/>
+          <a:lstStyle/>
+          <a:p>
+            <a:pPr algn="ctr" hangingPunct="0">
+              <a:lnSpc>
+                <a:spcPct val="98000"/>
+              </a:lnSpc>
+              <a:buSzPct val="45000"/>
+              <a:buFont typeface="Wingdings" pitchFamily="2" charset="2"/>
+              <a:buNone/>
+              <a:tabLst>
+                <a:tab pos="0" algn="l"/>
+                <a:tab pos="914400" algn="l"/>
+                <a:tab pos="1828800" algn="l"/>
+                <a:tab pos="2743200" algn="l"/>
+                <a:tab pos="3657600" algn="l"/>
+                <a:tab pos="4572000" algn="l"/>
+                <a:tab pos="5486400" algn="l"/>
+                <a:tab pos="6400800" algn="l"/>
+                <a:tab pos="7315200" algn="l"/>
+                <a:tab pos="8229600" algn="l"/>
+                <a:tab pos="9144000" algn="l"/>
+                <a:tab pos="10058400" algn="l"/>
+              </a:tabLst>
+            </a:pPr>
+            <a:r>
+              <a:rPr lang="en-US" sz="4000" dirty="0">
+                <a:solidFill>
+                  <a:schemeClr val="tx1"/>
+                </a:solidFill>
+                <a:latin typeface="Times New Roman" pitchFamily="18" charset="0"/>
+                <a:cs typeface="Times New Roman" pitchFamily="18" charset="0"/>
+              </a:rPr>
+              <a:t>Distributions We’ll Encounter</a:t>
+            </a:r>
+          </a:p>
+        </p:txBody>
+      </p:sp>
+      <p:pic>
+        <p:nvPicPr>
+          <p:cNvPr id="7" name="Picture 2">
+            <a:extLst>
+              <a:ext uri="{FF2B5EF4-FFF2-40B4-BE49-F238E27FC236}">
+                <a16:creationId xmlns:a16="http://schemas.microsoft.com/office/drawing/2014/main" id="{904B0942-17AE-A4A7-6F0C-1F9BAA35550E}"/>
+              </a:ext>
+            </a:extLst>
+          </p:cNvPr>
+          <p:cNvPicPr>
+            <a:picLocks noChangeAspect="1" noChangeArrowheads="1"/>
+          </p:cNvPicPr>
+          <p:nvPr/>
+        </p:nvPicPr>
+        <p:blipFill>
+          <a:blip r:embed="rId2" cstate="print"/>
+          <a:srcRect/>
+          <a:stretch>
+            <a:fillRect/>
+          </a:stretch>
+        </p:blipFill>
+        <p:spPr bwMode="auto">
+          <a:xfrm>
+            <a:off x="484188" y="76200"/>
+            <a:ext cx="8202612" cy="239712"/>
+          </a:xfrm>
+          <a:prstGeom prst="rect">
+            <a:avLst/>
+          </a:prstGeom>
+          <a:noFill/>
+          <a:ln w="9525">
+            <a:noFill/>
+            <a:round/>
+            <a:headEnd/>
+            <a:tailEnd/>
+          </a:ln>
+        </p:spPr>
+      </p:pic>
+      <p:sp>
+        <p:nvSpPr>
+          <p:cNvPr id="2" name="Rectangle 1">
+            <a:extLst>
+              <a:ext uri="{FF2B5EF4-FFF2-40B4-BE49-F238E27FC236}">
+                <a16:creationId xmlns:a16="http://schemas.microsoft.com/office/drawing/2014/main" id="{9522E3BF-140A-4C53-BADF-3631C7D62C9B}"/>
+              </a:ext>
+            </a:extLst>
+          </p:cNvPr>
+          <p:cNvSpPr/>
+          <p:nvPr/>
+        </p:nvSpPr>
+        <p:spPr>
+          <a:xfrm>
+            <a:off x="0" y="2151337"/>
+            <a:ext cx="9144000" cy="769441"/>
+          </a:xfrm>
+          <a:prstGeom prst="rect">
+            <a:avLst/>
+          </a:prstGeom>
+        </p:spPr>
+        <p:txBody>
+          <a:bodyPr wrap="square">
+            <a:spAutoFit/>
+          </a:bodyPr>
+          <a:lstStyle/>
+          <a:p>
+            <a:pPr marL="342900" indent="-342900">
+              <a:buFont typeface="Arial"/>
+              <a:buChar char="•"/>
+            </a:pPr>
+            <a:r>
+              <a:rPr lang="en-US" sz="2200" b="1" dirty="0">
+                <a:latin typeface="Times New Roman"/>
+                <a:cs typeface="Times New Roman"/>
+              </a:rPr>
+              <a:t>Weibull</a:t>
+            </a:r>
+            <a:r>
+              <a:rPr lang="en-US" sz="2200" dirty="0">
+                <a:latin typeface="Times New Roman"/>
+                <a:cs typeface="Times New Roman"/>
+              </a:rPr>
+              <a:t>: Many applications in engineering and failure analysis and useful as a two-parameter prior for scale parameters.</a:t>
+            </a:r>
+            <a:endParaRPr lang="en-US" sz="2200" i="1" dirty="0">
+              <a:latin typeface="Times New Roman"/>
+              <a:cs typeface="Times New Roman"/>
+            </a:endParaRPr>
+          </a:p>
+        </p:txBody>
+      </p:sp>
+      <p:sp>
+        <p:nvSpPr>
+          <p:cNvPr id="3" name="Rectangle 2">
+            <a:extLst>
+              <a:ext uri="{FF2B5EF4-FFF2-40B4-BE49-F238E27FC236}">
+                <a16:creationId xmlns:a16="http://schemas.microsoft.com/office/drawing/2014/main" id="{63A451FC-A819-ED69-7849-A74A9A6434DC}"/>
+              </a:ext>
+            </a:extLst>
+          </p:cNvPr>
+          <p:cNvSpPr/>
+          <p:nvPr/>
+        </p:nvSpPr>
+        <p:spPr>
+          <a:xfrm>
+            <a:off x="330200" y="3693920"/>
+            <a:ext cx="4140200" cy="1015663"/>
+          </a:xfrm>
+          <a:prstGeom prst="rect">
+            <a:avLst/>
+          </a:prstGeom>
+        </p:spPr>
+        <p:txBody>
+          <a:bodyPr wrap="square">
+            <a:spAutoFit/>
+          </a:bodyPr>
+          <a:lstStyle/>
+          <a:p>
+            <a:pPr marL="342900" indent="-342900">
+              <a:buFont typeface="Arial"/>
+              <a:buChar char="•"/>
+            </a:pPr>
+            <a:r>
+              <a:rPr lang="en-US" sz="2000" b="1" dirty="0">
+                <a:latin typeface="Courier" pitchFamily="2" charset="0"/>
+                <a:cs typeface="Courier New" panose="02070309020205020404" pitchFamily="49" charset="0"/>
+              </a:rPr>
+              <a:t>alpha</a:t>
+            </a:r>
+            <a:r>
+              <a:rPr lang="en-US" sz="2000" dirty="0">
+                <a:latin typeface="Courier" pitchFamily="2" charset="0"/>
+                <a:cs typeface="Courier New" panose="02070309020205020404" pitchFamily="49" charset="0"/>
+              </a:rPr>
+              <a:t>:</a:t>
+            </a:r>
+            <a:r>
+              <a:rPr lang="en-US" sz="2000" dirty="0">
+                <a:latin typeface="Times New Roman"/>
+                <a:cs typeface="Times New Roman"/>
+              </a:rPr>
+              <a:t> shape</a:t>
+            </a:r>
+          </a:p>
+          <a:p>
+            <a:pPr marL="342900" indent="-342900">
+              <a:buFont typeface="Arial"/>
+              <a:buChar char="•"/>
+            </a:pPr>
+            <a:r>
+              <a:rPr lang="en-US" sz="2000" b="1" dirty="0">
+                <a:latin typeface="Courier" pitchFamily="2" charset="0"/>
+                <a:cs typeface="Courier New" panose="02070309020205020404" pitchFamily="49" charset="0"/>
+              </a:rPr>
+              <a:t>sigma</a:t>
+            </a:r>
+            <a:r>
+              <a:rPr lang="en-US" sz="2000" dirty="0">
+                <a:latin typeface="Courier" pitchFamily="2" charset="0"/>
+                <a:cs typeface="Courier New" panose="02070309020205020404" pitchFamily="49" charset="0"/>
+              </a:rPr>
+              <a:t>:</a:t>
+            </a:r>
+            <a:r>
+              <a:rPr lang="en-US" sz="2000" dirty="0">
+                <a:latin typeface="Times New Roman"/>
+                <a:cs typeface="Times New Roman"/>
+              </a:rPr>
+              <a:t> scale</a:t>
+            </a:r>
+          </a:p>
+          <a:p>
+            <a:pPr marL="342900" indent="-342900">
+              <a:buFont typeface="Arial"/>
+              <a:buChar char="•"/>
+            </a:pPr>
+            <a:r>
+              <a:rPr lang="en-US" sz="2000" b="1" dirty="0">
+                <a:latin typeface="Courier" pitchFamily="2" charset="0"/>
+                <a:cs typeface="Courier New" panose="02070309020205020404" pitchFamily="49" charset="0"/>
+              </a:rPr>
+              <a:t>lambda</a:t>
+            </a:r>
+            <a:r>
+              <a:rPr lang="en-US" sz="2000" dirty="0">
+                <a:latin typeface="Courier" pitchFamily="2" charset="0"/>
+                <a:cs typeface="Courier New" panose="02070309020205020404" pitchFamily="49" charset="0"/>
+              </a:rPr>
+              <a:t>:</a:t>
+            </a:r>
+            <a:r>
+              <a:rPr lang="en-US" sz="2000" dirty="0">
+                <a:latin typeface="Times New Roman"/>
+                <a:cs typeface="Times New Roman"/>
+              </a:rPr>
+              <a:t> </a:t>
+            </a:r>
+            <a:r>
+              <a:rPr lang="en-US" sz="2000" b="1" dirty="0">
+                <a:latin typeface="Courier" pitchFamily="2" charset="0"/>
+                <a:cs typeface="Times New Roman"/>
+              </a:rPr>
+              <a:t>sigma^(-alpha)</a:t>
+            </a:r>
+          </a:p>
+        </p:txBody>
+      </p:sp>
+      <p:sp>
+        <p:nvSpPr>
+          <p:cNvPr id="4" name="Rectangle 3">
+            <a:extLst>
+              <a:ext uri="{FF2B5EF4-FFF2-40B4-BE49-F238E27FC236}">
+                <a16:creationId xmlns:a16="http://schemas.microsoft.com/office/drawing/2014/main" id="{0F2012CE-7885-BB56-5936-6E1E8504187B}"/>
+              </a:ext>
+            </a:extLst>
+          </p:cNvPr>
+          <p:cNvSpPr/>
+          <p:nvPr/>
+        </p:nvSpPr>
+        <p:spPr>
+          <a:xfrm>
+            <a:off x="152400" y="3290935"/>
+            <a:ext cx="2882900" cy="430887"/>
+          </a:xfrm>
+          <a:prstGeom prst="rect">
+            <a:avLst/>
+          </a:prstGeom>
+        </p:spPr>
+        <p:txBody>
+          <a:bodyPr wrap="square">
+            <a:spAutoFit/>
+          </a:bodyPr>
+          <a:lstStyle/>
+          <a:p>
+            <a:pPr marL="342900" indent="-342900">
+              <a:buFont typeface="Arial"/>
+              <a:buChar char="•"/>
+            </a:pPr>
+            <a:r>
+              <a:rPr lang="en-US" sz="2200" dirty="0">
+                <a:latin typeface="Times New Roman"/>
+                <a:cs typeface="Times New Roman"/>
+              </a:rPr>
+              <a:t>Parameters:</a:t>
+            </a:r>
+            <a:endParaRPr lang="en-US" sz="2200" i="1" dirty="0">
+              <a:latin typeface="Times New Roman"/>
+              <a:cs typeface="Times New Roman"/>
+            </a:endParaRPr>
+          </a:p>
+        </p:txBody>
+      </p:sp>
+      <p:sp>
+        <p:nvSpPr>
+          <p:cNvPr id="5" name="TextBox 4">
+            <a:extLst>
+              <a:ext uri="{FF2B5EF4-FFF2-40B4-BE49-F238E27FC236}">
+                <a16:creationId xmlns:a16="http://schemas.microsoft.com/office/drawing/2014/main" id="{5CA5D225-2011-1D82-F0D2-278B853AD07E}"/>
+              </a:ext>
+            </a:extLst>
+          </p:cNvPr>
+          <p:cNvSpPr txBox="1"/>
+          <p:nvPr/>
+        </p:nvSpPr>
+        <p:spPr>
+          <a:xfrm>
+            <a:off x="2670489" y="3138485"/>
+            <a:ext cx="4006225" cy="707886"/>
+          </a:xfrm>
+          <a:prstGeom prst="rect">
+            <a:avLst/>
+          </a:prstGeom>
+          <a:noFill/>
+        </p:spPr>
+        <p:txBody>
+          <a:bodyPr wrap="none" rtlCol="0">
+            <a:spAutoFit/>
+          </a:bodyPr>
+          <a:lstStyle/>
+          <a:p>
+            <a:r>
+              <a:rPr lang="en-US" sz="2000" dirty="0">
+                <a:latin typeface="Times New Roman" panose="02020603050405020304" pitchFamily="18" charset="0"/>
+                <a:cs typeface="Times New Roman" panose="02020603050405020304" pitchFamily="18" charset="0"/>
+              </a:rPr>
+              <a:t>Stan: </a:t>
+            </a:r>
+            <a:r>
+              <a:rPr lang="en-US" sz="2000" b="1" dirty="0" err="1">
+                <a:latin typeface="Courier"/>
+                <a:cs typeface="Times New Roman" panose="02020603050405020304" pitchFamily="18" charset="0"/>
+              </a:rPr>
+              <a:t>weibull</a:t>
+            </a:r>
+            <a:r>
+              <a:rPr lang="en-US" sz="2000" b="1" dirty="0">
+                <a:latin typeface="Courier"/>
+                <a:cs typeface="Courier"/>
+              </a:rPr>
+              <a:t>(alpha, sigma)</a:t>
+            </a:r>
+            <a:endParaRPr lang="en-US" sz="2000" b="1" dirty="0">
+              <a:latin typeface="Times New Roman" panose="02020603050405020304" pitchFamily="18" charset="0"/>
+              <a:cs typeface="Times New Roman" panose="02020603050405020304" pitchFamily="18" charset="0"/>
+            </a:endParaRPr>
+          </a:p>
+          <a:p>
+            <a:r>
+              <a:rPr lang="en-US" sz="2000" dirty="0">
+                <a:latin typeface="Times New Roman" panose="02020603050405020304" pitchFamily="18" charset="0"/>
+                <a:cs typeface="Times New Roman" panose="02020603050405020304" pitchFamily="18" charset="0"/>
+              </a:rPr>
+              <a:t>JAGS: </a:t>
+            </a:r>
+            <a:r>
+              <a:rPr lang="en-US" sz="2000" b="1" dirty="0" err="1">
+                <a:latin typeface="Courier" pitchFamily="2" charset="0"/>
+                <a:cs typeface="Times New Roman" panose="02020603050405020304" pitchFamily="18" charset="0"/>
+              </a:rPr>
+              <a:t>dweib</a:t>
+            </a:r>
+            <a:r>
+              <a:rPr lang="en-US" sz="2000" b="1" dirty="0">
+                <a:latin typeface="Courier"/>
+                <a:cs typeface="Courier"/>
+              </a:rPr>
+              <a:t>(alpha, lambda)</a:t>
+            </a:r>
+          </a:p>
+        </p:txBody>
+      </p:sp>
+      <p:pic>
+        <p:nvPicPr>
+          <p:cNvPr id="12" name="Picture 11">
+            <a:extLst>
+              <a:ext uri="{FF2B5EF4-FFF2-40B4-BE49-F238E27FC236}">
+                <a16:creationId xmlns:a16="http://schemas.microsoft.com/office/drawing/2014/main" id="{6D679F78-C38E-123B-A61D-893DBBA2AC8B}"/>
+              </a:ext>
+            </a:extLst>
+          </p:cNvPr>
+          <p:cNvPicPr>
+            <a:picLocks noChangeAspect="1"/>
+          </p:cNvPicPr>
+          <p:nvPr/>
+        </p:nvPicPr>
+        <p:blipFill>
+          <a:blip r:embed="rId3"/>
+          <a:stretch>
+            <a:fillRect/>
+          </a:stretch>
+        </p:blipFill>
+        <p:spPr>
+          <a:xfrm>
+            <a:off x="6878980" y="3197157"/>
+            <a:ext cx="1952240" cy="1435870"/>
+          </a:xfrm>
+          <a:prstGeom prst="rect">
+            <a:avLst/>
+          </a:prstGeom>
+        </p:spPr>
+      </p:pic>
+    </p:spTree>
+    <p:extLst>
+      <p:ext uri="{BB962C8B-B14F-4D97-AF65-F5344CB8AC3E}">
+        <p14:creationId xmlns:p14="http://schemas.microsoft.com/office/powerpoint/2010/main" val="93687552"/>
+      </p:ext>
+    </p:extLst>
+  </p:cSld>
+  <p:clrMapOvr>
+    <a:masterClrMapping/>
+  </p:clrMapOvr>
+  <p:timing>
+    <p:tnLst>
+      <p:par>
+        <p:cTn id="1" dur="indefinite" restart="never" nodeType="tmRoot">
+          <p:childTnLst>
+            <p:seq concurrent="1" nextAc="seek">
+              <p:cTn id="2" dur="indefinite" nodeType="mainSeq">
+                <p:childTnLst>
+                  <p:par>
+                    <p:cTn id="3" fill="hold">
+                      <p:stCondLst>
+                        <p:cond delay="indefinite"/>
+                      </p:stCondLst>
+                      <p:childTnLst>
+                        <p:par>
+                          <p:cTn id="4" fill="hold">
+                            <p:stCondLst>
+                              <p:cond delay="0"/>
+                            </p:stCondLst>
+                            <p:childTnLst>
+                              <p:par>
+                                <p:cTn id="5" presetID="2" presetClass="entr" presetSubtype="4" fill="hold" grpId="0" nodeType="clickEffect">
+                                  <p:stCondLst>
+                                    <p:cond delay="0"/>
+                                  </p:stCondLst>
+                                  <p:childTnLst>
+                                    <p:set>
+                                      <p:cBhvr>
+                                        <p:cTn id="6" dur="1" fill="hold">
+                                          <p:stCondLst>
+                                            <p:cond delay="0"/>
+                                          </p:stCondLst>
+                                        </p:cTn>
+                                        <p:tgtEl>
+                                          <p:spTgt spid="2"/>
+                                        </p:tgtEl>
+                                        <p:attrNameLst>
+                                          <p:attrName>style.visibility</p:attrName>
+                                        </p:attrNameLst>
+                                      </p:cBhvr>
+                                      <p:to>
+                                        <p:strVal val="visible"/>
+                                      </p:to>
+                                    </p:set>
+                                    <p:anim calcmode="lin" valueType="num">
+                                      <p:cBhvr additive="base">
+                                        <p:cTn id="7" dur="500" fill="hold"/>
+                                        <p:tgtEl>
+                                          <p:spTgt spid="2"/>
+                                        </p:tgtEl>
+                                        <p:attrNameLst>
+                                          <p:attrName>ppt_x</p:attrName>
+                                        </p:attrNameLst>
+                                      </p:cBhvr>
+                                      <p:tavLst>
+                                        <p:tav tm="0">
+                                          <p:val>
+                                            <p:strVal val="#ppt_x"/>
+                                          </p:val>
+                                        </p:tav>
+                                        <p:tav tm="100000">
+                                          <p:val>
+                                            <p:strVal val="#ppt_x"/>
+                                          </p:val>
+                                        </p:tav>
+                                      </p:tavLst>
+                                    </p:anim>
+                                    <p:anim calcmode="lin" valueType="num">
+                                      <p:cBhvr additive="base">
+                                        <p:cTn id="8" dur="500" fill="hold"/>
+                                        <p:tgtEl>
+                                          <p:spTgt spid="2"/>
+                                        </p:tgtEl>
+                                        <p:attrNameLst>
+                                          <p:attrName>ppt_y</p:attrName>
+                                        </p:attrNameLst>
+                                      </p:cBhvr>
+                                      <p:tavLst>
+                                        <p:tav tm="0">
+                                          <p:val>
+                                            <p:strVal val="1+#ppt_h/2"/>
+                                          </p:val>
+                                        </p:tav>
+                                        <p:tav tm="100000">
+                                          <p:val>
+                                            <p:strVal val="#ppt_y"/>
+                                          </p:val>
+                                        </p:tav>
+                                      </p:tavLst>
+                                    </p:anim>
+                                  </p:childTnLst>
+                                </p:cTn>
+                              </p:par>
+                              <p:par>
+                                <p:cTn id="9" presetID="2" presetClass="entr" presetSubtype="4" fill="hold" grpId="0" nodeType="withEffect">
+                                  <p:stCondLst>
+                                    <p:cond delay="0"/>
+                                  </p:stCondLst>
+                                  <p:childTnLst>
+                                    <p:set>
+                                      <p:cBhvr>
+                                        <p:cTn id="10" dur="1" fill="hold">
+                                          <p:stCondLst>
+                                            <p:cond delay="0"/>
+                                          </p:stCondLst>
+                                        </p:cTn>
+                                        <p:tgtEl>
+                                          <p:spTgt spid="3"/>
+                                        </p:tgtEl>
+                                        <p:attrNameLst>
+                                          <p:attrName>style.visibility</p:attrName>
+                                        </p:attrNameLst>
+                                      </p:cBhvr>
+                                      <p:to>
+                                        <p:strVal val="visible"/>
+                                      </p:to>
+                                    </p:set>
+                                    <p:anim calcmode="lin" valueType="num">
+                                      <p:cBhvr additive="base">
+                                        <p:cTn id="11" dur="500" fill="hold"/>
+                                        <p:tgtEl>
+                                          <p:spTgt spid="3"/>
+                                        </p:tgtEl>
+                                        <p:attrNameLst>
+                                          <p:attrName>ppt_x</p:attrName>
+                                        </p:attrNameLst>
+                                      </p:cBhvr>
+                                      <p:tavLst>
+                                        <p:tav tm="0">
+                                          <p:val>
+                                            <p:strVal val="#ppt_x"/>
+                                          </p:val>
+                                        </p:tav>
+                                        <p:tav tm="100000">
+                                          <p:val>
+                                            <p:strVal val="#ppt_x"/>
+                                          </p:val>
+                                        </p:tav>
+                                      </p:tavLst>
+                                    </p:anim>
+                                    <p:anim calcmode="lin" valueType="num">
+                                      <p:cBhvr additive="base">
+                                        <p:cTn id="12" dur="500" fill="hold"/>
+                                        <p:tgtEl>
+                                          <p:spTgt spid="3"/>
+                                        </p:tgtEl>
+                                        <p:attrNameLst>
+                                          <p:attrName>ppt_y</p:attrName>
+                                        </p:attrNameLst>
+                                      </p:cBhvr>
+                                      <p:tavLst>
+                                        <p:tav tm="0">
+                                          <p:val>
+                                            <p:strVal val="1+#ppt_h/2"/>
+                                          </p:val>
+                                        </p:tav>
+                                        <p:tav tm="100000">
+                                          <p:val>
+                                            <p:strVal val="#ppt_y"/>
+                                          </p:val>
+                                        </p:tav>
+                                      </p:tavLst>
+                                    </p:anim>
+                                  </p:childTnLst>
+                                </p:cTn>
+                              </p:par>
+                              <p:par>
+                                <p:cTn id="13" presetID="2" presetClass="entr" presetSubtype="4" fill="hold" grpId="0" nodeType="withEffect">
+                                  <p:stCondLst>
+                                    <p:cond delay="0"/>
+                                  </p:stCondLst>
+                                  <p:childTnLst>
+                                    <p:set>
+                                      <p:cBhvr>
+                                        <p:cTn id="14" dur="1" fill="hold">
+                                          <p:stCondLst>
+                                            <p:cond delay="0"/>
+                                          </p:stCondLst>
+                                        </p:cTn>
+                                        <p:tgtEl>
+                                          <p:spTgt spid="4"/>
+                                        </p:tgtEl>
+                                        <p:attrNameLst>
+                                          <p:attrName>style.visibility</p:attrName>
+                                        </p:attrNameLst>
+                                      </p:cBhvr>
+                                      <p:to>
+                                        <p:strVal val="visible"/>
+                                      </p:to>
+                                    </p:set>
+                                    <p:anim calcmode="lin" valueType="num">
+                                      <p:cBhvr additive="base">
+                                        <p:cTn id="15" dur="500" fill="hold"/>
+                                        <p:tgtEl>
+                                          <p:spTgt spid="4"/>
+                                        </p:tgtEl>
+                                        <p:attrNameLst>
+                                          <p:attrName>ppt_x</p:attrName>
+                                        </p:attrNameLst>
+                                      </p:cBhvr>
+                                      <p:tavLst>
+                                        <p:tav tm="0">
+                                          <p:val>
+                                            <p:strVal val="#ppt_x"/>
+                                          </p:val>
+                                        </p:tav>
+                                        <p:tav tm="100000">
+                                          <p:val>
+                                            <p:strVal val="#ppt_x"/>
+                                          </p:val>
+                                        </p:tav>
+                                      </p:tavLst>
+                                    </p:anim>
+                                    <p:anim calcmode="lin" valueType="num">
+                                      <p:cBhvr additive="base">
+                                        <p:cTn id="16" dur="500" fill="hold"/>
+                                        <p:tgtEl>
+                                          <p:spTgt spid="4"/>
+                                        </p:tgtEl>
+                                        <p:attrNameLst>
+                                          <p:attrName>ppt_y</p:attrName>
+                                        </p:attrNameLst>
+                                      </p:cBhvr>
+                                      <p:tavLst>
+                                        <p:tav tm="0">
+                                          <p:val>
+                                            <p:strVal val="1+#ppt_h/2"/>
+                                          </p:val>
+                                        </p:tav>
+                                        <p:tav tm="100000">
+                                          <p:val>
+                                            <p:strVal val="#ppt_y"/>
+                                          </p:val>
+                                        </p:tav>
+                                      </p:tavLst>
+                                    </p:anim>
+                                  </p:childTnLst>
+                                </p:cTn>
+                              </p:par>
+                              <p:par>
+                                <p:cTn id="17" presetID="2" presetClass="entr" presetSubtype="4" fill="hold" grpId="0" nodeType="withEffect">
+                                  <p:stCondLst>
+                                    <p:cond delay="0"/>
+                                  </p:stCondLst>
+                                  <p:childTnLst>
+                                    <p:set>
+                                      <p:cBhvr>
+                                        <p:cTn id="18" dur="1" fill="hold">
+                                          <p:stCondLst>
+                                            <p:cond delay="0"/>
+                                          </p:stCondLst>
+                                        </p:cTn>
+                                        <p:tgtEl>
+                                          <p:spTgt spid="5"/>
+                                        </p:tgtEl>
+                                        <p:attrNameLst>
+                                          <p:attrName>style.visibility</p:attrName>
+                                        </p:attrNameLst>
+                                      </p:cBhvr>
+                                      <p:to>
+                                        <p:strVal val="visible"/>
+                                      </p:to>
+                                    </p:set>
+                                    <p:anim calcmode="lin" valueType="num">
+                                      <p:cBhvr additive="base">
+                                        <p:cTn id="19" dur="500" fill="hold"/>
+                                        <p:tgtEl>
+                                          <p:spTgt spid="5"/>
+                                        </p:tgtEl>
+                                        <p:attrNameLst>
+                                          <p:attrName>ppt_x</p:attrName>
+                                        </p:attrNameLst>
+                                      </p:cBhvr>
+                                      <p:tavLst>
+                                        <p:tav tm="0">
+                                          <p:val>
+                                            <p:strVal val="#ppt_x"/>
+                                          </p:val>
+                                        </p:tav>
+                                        <p:tav tm="100000">
+                                          <p:val>
+                                            <p:strVal val="#ppt_x"/>
+                                          </p:val>
+                                        </p:tav>
+                                      </p:tavLst>
+                                    </p:anim>
+                                    <p:anim calcmode="lin" valueType="num">
+                                      <p:cBhvr additive="base">
+                                        <p:cTn id="20" dur="500" fill="hold"/>
+                                        <p:tgtEl>
+                                          <p:spTgt spid="5"/>
+                                        </p:tgtEl>
+                                        <p:attrNameLst>
+                                          <p:attrName>ppt_y</p:attrName>
+                                        </p:attrNameLst>
+                                      </p:cBhvr>
+                                      <p:tavLst>
+                                        <p:tav tm="0">
+                                          <p:val>
+                                            <p:strVal val="1+#ppt_h/2"/>
+                                          </p:val>
+                                        </p:tav>
+                                        <p:tav tm="100000">
+                                          <p:val>
+                                            <p:strVal val="#ppt_y"/>
+                                          </p:val>
+                                        </p:tav>
+                                      </p:tavLst>
+                                    </p:anim>
+                                  </p:childTnLst>
+                                </p:cTn>
+                              </p:par>
+                              <p:par>
+                                <p:cTn id="21" presetID="2" presetClass="entr" presetSubtype="4" fill="hold" nodeType="withEffect">
+                                  <p:stCondLst>
+                                    <p:cond delay="0"/>
+                                  </p:stCondLst>
+                                  <p:childTnLst>
+                                    <p:set>
+                                      <p:cBhvr>
+                                        <p:cTn id="22" dur="1" fill="hold">
+                                          <p:stCondLst>
+                                            <p:cond delay="0"/>
+                                          </p:stCondLst>
+                                        </p:cTn>
+                                        <p:tgtEl>
+                                          <p:spTgt spid="12"/>
+                                        </p:tgtEl>
+                                        <p:attrNameLst>
+                                          <p:attrName>style.visibility</p:attrName>
+                                        </p:attrNameLst>
+                                      </p:cBhvr>
+                                      <p:to>
+                                        <p:strVal val="visible"/>
+                                      </p:to>
+                                    </p:set>
+                                    <p:anim calcmode="lin" valueType="num">
+                                      <p:cBhvr additive="base">
+                                        <p:cTn id="23" dur="500" fill="hold"/>
+                                        <p:tgtEl>
+                                          <p:spTgt spid="12"/>
+                                        </p:tgtEl>
+                                        <p:attrNameLst>
+                                          <p:attrName>ppt_x</p:attrName>
+                                        </p:attrNameLst>
+                                      </p:cBhvr>
+                                      <p:tavLst>
+                                        <p:tav tm="0">
+                                          <p:val>
+                                            <p:strVal val="#ppt_x"/>
+                                          </p:val>
+                                        </p:tav>
+                                        <p:tav tm="100000">
+                                          <p:val>
+                                            <p:strVal val="#ppt_x"/>
+                                          </p:val>
+                                        </p:tav>
+                                      </p:tavLst>
+                                    </p:anim>
+                                    <p:anim calcmode="lin" valueType="num">
+                                      <p:cBhvr additive="base">
+                                        <p:cTn id="24" dur="500" fill="hold"/>
+                                        <p:tgtEl>
+                                          <p:spTgt spid="12"/>
+                                        </p:tgtEl>
+                                        <p:attrNameLst>
+                                          <p:attrName>ppt_y</p:attrName>
+                                        </p:attrNameLst>
+                                      </p:cBhvr>
+                                      <p:tavLst>
+                                        <p:tav tm="0">
+                                          <p:val>
+                                            <p:strVal val="1+#ppt_h/2"/>
+                                          </p:val>
+                                        </p:tav>
+                                        <p:tav tm="100000">
+                                          <p:val>
+                                            <p:strVal val="#ppt_y"/>
+                                          </p:val>
+                                        </p:tav>
+                                      </p:tavLst>
+                                    </p:anim>
+                                  </p:childTnLst>
+                                </p:cTn>
+                              </p:par>
+                            </p:childTnLst>
+                          </p:cTn>
+                        </p:par>
+                      </p:childTnLst>
+                    </p:cTn>
+                  </p:par>
+                </p:childTnLst>
+              </p:cTn>
+              <p:prevCondLst>
+                <p:cond evt="onPrev" delay="0">
+                  <p:tgtEl>
+                    <p:sldTgt/>
+                  </p:tgtEl>
+                </p:cond>
+              </p:prevCondLst>
+              <p:nextCondLst>
+                <p:cond evt="onNext" delay="0">
+                  <p:tgtEl>
+                    <p:sldTgt/>
+                  </p:tgtEl>
+                </p:cond>
+              </p:nextCondLst>
+            </p:seq>
+          </p:childTnLst>
+        </p:cTn>
+      </p:par>
+    </p:tnLst>
+    <p:bldLst>
+      <p:bldP spid="2" grpId="0"/>
+      <p:bldP spid="3" grpId="0"/>
+      <p:bldP spid="4" grpId="0"/>
+      <p:bldP spid="5" grpId="0"/>
+    </p:bldLst>
+  </p:timing>
+</p:sld>
+</file>
+
+<file path=ppt/slides/slide7.xml><?xml version="1.0" encoding="utf-8"?>
+<p:sld xmlns:a="http://schemas.openxmlformats.org/drawingml/2006/main" xmlns:r="http://schemas.openxmlformats.org/officeDocument/2006/relationships" xmlns:p="http://schemas.openxmlformats.org/presentationml/2006/main">
+  <p:cSld>
+    <p:spTree>
+      <p:nvGrpSpPr>
+        <p:cNvPr id="1" name=""/>
+        <p:cNvGrpSpPr/>
+        <p:nvPr/>
+      </p:nvGrpSpPr>
+      <p:grpSpPr>
+        <a:xfrm>
+          <a:off x="0" y="0"/>
+          <a:ext cx="0" cy="0"/>
+          <a:chOff x="0" y="0"/>
+          <a:chExt cx="0" cy="0"/>
+        </a:xfrm>
+      </p:grpSpPr>
+      <p:sp>
+        <p:nvSpPr>
           <p:cNvPr id="4" name="Rectangle 1">
             <a:extLst>
               <a:ext uri="{FF2B5EF4-FFF2-40B4-BE49-F238E27FC236}">
@@ -15525,7 +16405,7 @@
 </p:sld>
 </file>
 
-<file path=ppt/slides/slide7.xml><?xml version="1.0" encoding="utf-8"?>
+<file path=ppt/slides/slide8.xml><?xml version="1.0" encoding="utf-8"?>
 <p:sld xmlns:a="http://schemas.openxmlformats.org/drawingml/2006/main" xmlns:r="http://schemas.openxmlformats.org/officeDocument/2006/relationships" xmlns:p="http://schemas.openxmlformats.org/presentationml/2006/main">
   <p:cSld>
     <p:spTree>
@@ -16205,8 +17085,8 @@
         </p:nvSpPr>
         <p:spPr>
           <a:xfrm>
-            <a:off x="3634752" y="6320135"/>
-            <a:ext cx="1901483" cy="461665"/>
+            <a:off x="3429012" y="6320135"/>
+            <a:ext cx="2074607" cy="461665"/>
           </a:xfrm>
           <a:prstGeom prst="rect">
             <a:avLst/>
@@ -16220,13 +17100,14 @@
           <a:lstStyle/>
           <a:p>
             <a:r>
-              <a:rPr lang="en-US" sz="2400" dirty="0" err="1">
+              <a:rPr lang="en-US" sz="2400" b="1" dirty="0" err="1">
                 <a:latin typeface="Times New Roman" panose="02020603050405020304" pitchFamily="18" charset="0"/>
                 <a:cs typeface="Times New Roman" panose="02020603050405020304" pitchFamily="18" charset="0"/>
+                <a:hlinkClick r:id="rId5"/>
               </a:rPr>
               <a:t>distributions.r</a:t>
             </a:r>
-            <a:endParaRPr lang="en-US" sz="2400" dirty="0">
+            <a:endParaRPr lang="en-US" sz="2400" b="1" dirty="0">
               <a:latin typeface="Times New Roman" panose="02020603050405020304" pitchFamily="18" charset="0"/>
               <a:cs typeface="Times New Roman" panose="02020603050405020304" pitchFamily="18" charset="0"/>
             </a:endParaRPr>
@@ -16660,884 +17541,6 @@
       <p:bldP spid="4" grpId="0"/>
       <p:bldP spid="5" grpId="0"/>
       <p:bldP spid="15" grpId="0"/>
-    </p:bldLst>
-  </p:timing>
-</p:sld>
-</file>
-
-<file path=ppt/slides/slide8.xml><?xml version="1.0" encoding="utf-8"?>
-<p:sld xmlns:a="http://schemas.openxmlformats.org/drawingml/2006/main" xmlns:r="http://schemas.openxmlformats.org/officeDocument/2006/relationships" xmlns:p="http://schemas.openxmlformats.org/presentationml/2006/main">
-  <p:cSld>
-    <p:spTree>
-      <p:nvGrpSpPr>
-        <p:cNvPr id="1" name=""/>
-        <p:cNvGrpSpPr/>
-        <p:nvPr/>
-      </p:nvGrpSpPr>
-      <p:grpSpPr>
-        <a:xfrm>
-          <a:off x="0" y="0"/>
-          <a:ext cx="0" cy="0"/>
-          <a:chOff x="0" y="0"/>
-          <a:chExt cx="0" cy="0"/>
-        </a:xfrm>
-      </p:grpSpPr>
-      <p:sp>
-        <p:nvSpPr>
-          <p:cNvPr id="6" name="Rectangle 1">
-            <a:extLst>
-              <a:ext uri="{FF2B5EF4-FFF2-40B4-BE49-F238E27FC236}">
-                <a16:creationId xmlns:a16="http://schemas.microsoft.com/office/drawing/2014/main" id="{A10BAC5D-0057-9E36-1B4D-89C7F1CDF8BF}"/>
-              </a:ext>
-            </a:extLst>
-          </p:cNvPr>
-          <p:cNvSpPr>
-            <a:spLocks noChangeArrowheads="1"/>
-          </p:cNvSpPr>
-          <p:nvPr/>
-        </p:nvSpPr>
-        <p:spPr bwMode="auto">
-          <a:xfrm>
-            <a:off x="0" y="279102"/>
-            <a:ext cx="9104312" cy="871324"/>
-          </a:xfrm>
-          <a:prstGeom prst="rect">
-            <a:avLst/>
-          </a:prstGeom>
-          <a:noFill/>
-          <a:ln w="9525">
-            <a:noFill/>
-            <a:round/>
-            <a:headEnd/>
-            <a:tailEnd/>
-          </a:ln>
-        </p:spPr>
-        <p:txBody>
-          <a:bodyPr lIns="0" tIns="0" rIns="0" bIns="0" anchor="ctr"/>
-          <a:lstStyle/>
-          <a:p>
-            <a:pPr algn="ctr" hangingPunct="0">
-              <a:lnSpc>
-                <a:spcPct val="98000"/>
-              </a:lnSpc>
-              <a:buSzPct val="45000"/>
-              <a:buFont typeface="Wingdings" pitchFamily="2" charset="2"/>
-              <a:buNone/>
-              <a:tabLst>
-                <a:tab pos="0" algn="l"/>
-                <a:tab pos="914400" algn="l"/>
-                <a:tab pos="1828800" algn="l"/>
-                <a:tab pos="2743200" algn="l"/>
-                <a:tab pos="3657600" algn="l"/>
-                <a:tab pos="4572000" algn="l"/>
-                <a:tab pos="5486400" algn="l"/>
-                <a:tab pos="6400800" algn="l"/>
-                <a:tab pos="7315200" algn="l"/>
-                <a:tab pos="8229600" algn="l"/>
-                <a:tab pos="9144000" algn="l"/>
-                <a:tab pos="10058400" algn="l"/>
-              </a:tabLst>
-            </a:pPr>
-            <a:r>
-              <a:rPr lang="en-US" sz="4000" dirty="0">
-                <a:solidFill>
-                  <a:schemeClr val="tx1"/>
-                </a:solidFill>
-                <a:latin typeface="Times New Roman" pitchFamily="18" charset="0"/>
-                <a:cs typeface="Times New Roman" pitchFamily="18" charset="0"/>
-              </a:rPr>
-              <a:t>Distributions We’ll Encounter</a:t>
-            </a:r>
-          </a:p>
-        </p:txBody>
-      </p:sp>
-      <p:pic>
-        <p:nvPicPr>
-          <p:cNvPr id="7" name="Picture 2">
-            <a:extLst>
-              <a:ext uri="{FF2B5EF4-FFF2-40B4-BE49-F238E27FC236}">
-                <a16:creationId xmlns:a16="http://schemas.microsoft.com/office/drawing/2014/main" id="{904B0942-17AE-A4A7-6F0C-1F9BAA35550E}"/>
-              </a:ext>
-            </a:extLst>
-          </p:cNvPr>
-          <p:cNvPicPr>
-            <a:picLocks noChangeAspect="1" noChangeArrowheads="1"/>
-          </p:cNvPicPr>
-          <p:nvPr/>
-        </p:nvPicPr>
-        <p:blipFill>
-          <a:blip r:embed="rId2" cstate="print"/>
-          <a:srcRect/>
-          <a:stretch>
-            <a:fillRect/>
-          </a:stretch>
-        </p:blipFill>
-        <p:spPr bwMode="auto">
-          <a:xfrm>
-            <a:off x="484188" y="76200"/>
-            <a:ext cx="8202612" cy="239712"/>
-          </a:xfrm>
-          <a:prstGeom prst="rect">
-            <a:avLst/>
-          </a:prstGeom>
-          <a:noFill/>
-          <a:ln w="9525">
-            <a:noFill/>
-            <a:round/>
-            <a:headEnd/>
-            <a:tailEnd/>
-          </a:ln>
-        </p:spPr>
-      </p:pic>
-      <p:sp>
-        <p:nvSpPr>
-          <p:cNvPr id="2" name="Rectangle 1">
-            <a:extLst>
-              <a:ext uri="{FF2B5EF4-FFF2-40B4-BE49-F238E27FC236}">
-                <a16:creationId xmlns:a16="http://schemas.microsoft.com/office/drawing/2014/main" id="{9522E3BF-140A-4C53-BADF-3631C7D62C9B}"/>
-              </a:ext>
-            </a:extLst>
-          </p:cNvPr>
-          <p:cNvSpPr/>
-          <p:nvPr/>
-        </p:nvSpPr>
-        <p:spPr>
-          <a:xfrm>
-            <a:off x="0" y="4185877"/>
-            <a:ext cx="9144000" cy="769441"/>
-          </a:xfrm>
-          <a:prstGeom prst="rect">
-            <a:avLst/>
-          </a:prstGeom>
-        </p:spPr>
-        <p:txBody>
-          <a:bodyPr wrap="square">
-            <a:spAutoFit/>
-          </a:bodyPr>
-          <a:lstStyle/>
-          <a:p>
-            <a:pPr marL="342900" indent="-342900">
-              <a:buFont typeface="Arial"/>
-              <a:buChar char="•"/>
-            </a:pPr>
-            <a:r>
-              <a:rPr lang="en-US" sz="2200" b="1" dirty="0">
-                <a:latin typeface="Times New Roman"/>
-                <a:cs typeface="Times New Roman"/>
-              </a:rPr>
-              <a:t>Weibull</a:t>
-            </a:r>
-            <a:r>
-              <a:rPr lang="en-US" sz="2200" dirty="0">
-                <a:latin typeface="Times New Roman"/>
-                <a:cs typeface="Times New Roman"/>
-              </a:rPr>
-              <a:t>: Many applications in engineering and failure analysis and useful as a two-parameter prior for scale parameters.</a:t>
-            </a:r>
-            <a:endParaRPr lang="en-US" sz="2200" i="1" dirty="0">
-              <a:latin typeface="Times New Roman"/>
-              <a:cs typeface="Times New Roman"/>
-            </a:endParaRPr>
-          </a:p>
-        </p:txBody>
-      </p:sp>
-      <p:sp>
-        <p:nvSpPr>
-          <p:cNvPr id="3" name="Rectangle 2">
-            <a:extLst>
-              <a:ext uri="{FF2B5EF4-FFF2-40B4-BE49-F238E27FC236}">
-                <a16:creationId xmlns:a16="http://schemas.microsoft.com/office/drawing/2014/main" id="{63A451FC-A819-ED69-7849-A74A9A6434DC}"/>
-              </a:ext>
-            </a:extLst>
-          </p:cNvPr>
-          <p:cNvSpPr/>
-          <p:nvPr/>
-        </p:nvSpPr>
-        <p:spPr>
-          <a:xfrm>
-            <a:off x="330200" y="5728460"/>
-            <a:ext cx="4140200" cy="1015663"/>
-          </a:xfrm>
-          <a:prstGeom prst="rect">
-            <a:avLst/>
-          </a:prstGeom>
-        </p:spPr>
-        <p:txBody>
-          <a:bodyPr wrap="square">
-            <a:spAutoFit/>
-          </a:bodyPr>
-          <a:lstStyle/>
-          <a:p>
-            <a:pPr marL="342900" indent="-342900">
-              <a:buFont typeface="Arial"/>
-              <a:buChar char="•"/>
-            </a:pPr>
-            <a:r>
-              <a:rPr lang="en-US" sz="2000" b="1" dirty="0">
-                <a:latin typeface="Courier" pitchFamily="2" charset="0"/>
-                <a:cs typeface="Courier New" panose="02070309020205020404" pitchFamily="49" charset="0"/>
-              </a:rPr>
-              <a:t>alpha</a:t>
-            </a:r>
-            <a:r>
-              <a:rPr lang="en-US" sz="2000" dirty="0">
-                <a:latin typeface="Courier" pitchFamily="2" charset="0"/>
-                <a:cs typeface="Courier New" panose="02070309020205020404" pitchFamily="49" charset="0"/>
-              </a:rPr>
-              <a:t>:</a:t>
-            </a:r>
-            <a:r>
-              <a:rPr lang="en-US" sz="2000" dirty="0">
-                <a:latin typeface="Times New Roman"/>
-                <a:cs typeface="Times New Roman"/>
-              </a:rPr>
-              <a:t> shape</a:t>
-            </a:r>
-          </a:p>
-          <a:p>
-            <a:pPr marL="342900" indent="-342900">
-              <a:buFont typeface="Arial"/>
-              <a:buChar char="•"/>
-            </a:pPr>
-            <a:r>
-              <a:rPr lang="en-US" sz="2000" b="1" dirty="0">
-                <a:latin typeface="Courier" pitchFamily="2" charset="0"/>
-                <a:cs typeface="Courier New" panose="02070309020205020404" pitchFamily="49" charset="0"/>
-              </a:rPr>
-              <a:t>sigma</a:t>
-            </a:r>
-            <a:r>
-              <a:rPr lang="en-US" sz="2000" dirty="0">
-                <a:latin typeface="Courier" pitchFamily="2" charset="0"/>
-                <a:cs typeface="Courier New" panose="02070309020205020404" pitchFamily="49" charset="0"/>
-              </a:rPr>
-              <a:t>:</a:t>
-            </a:r>
-            <a:r>
-              <a:rPr lang="en-US" sz="2000" dirty="0">
-                <a:latin typeface="Times New Roman"/>
-                <a:cs typeface="Times New Roman"/>
-              </a:rPr>
-              <a:t> scale</a:t>
-            </a:r>
-          </a:p>
-          <a:p>
-            <a:pPr marL="342900" indent="-342900">
-              <a:buFont typeface="Arial"/>
-              <a:buChar char="•"/>
-            </a:pPr>
-            <a:r>
-              <a:rPr lang="en-US" sz="2000" b="1" dirty="0">
-                <a:latin typeface="Courier" pitchFamily="2" charset="0"/>
-                <a:cs typeface="Courier New" panose="02070309020205020404" pitchFamily="49" charset="0"/>
-              </a:rPr>
-              <a:t>lambda</a:t>
-            </a:r>
-            <a:r>
-              <a:rPr lang="en-US" sz="2000" dirty="0">
-                <a:latin typeface="Courier" pitchFamily="2" charset="0"/>
-                <a:cs typeface="Courier New" panose="02070309020205020404" pitchFamily="49" charset="0"/>
-              </a:rPr>
-              <a:t>:</a:t>
-            </a:r>
-            <a:r>
-              <a:rPr lang="en-US" sz="2000" dirty="0">
-                <a:latin typeface="Times New Roman"/>
-                <a:cs typeface="Times New Roman"/>
-              </a:rPr>
-              <a:t> </a:t>
-            </a:r>
-            <a:r>
-              <a:rPr lang="en-US" sz="2000" b="1" dirty="0">
-                <a:latin typeface="Courier" pitchFamily="2" charset="0"/>
-                <a:cs typeface="Times New Roman"/>
-              </a:rPr>
-              <a:t>sigma^(-alpha)</a:t>
-            </a:r>
-          </a:p>
-        </p:txBody>
-      </p:sp>
-      <p:sp>
-        <p:nvSpPr>
-          <p:cNvPr id="4" name="Rectangle 3">
-            <a:extLst>
-              <a:ext uri="{FF2B5EF4-FFF2-40B4-BE49-F238E27FC236}">
-                <a16:creationId xmlns:a16="http://schemas.microsoft.com/office/drawing/2014/main" id="{0F2012CE-7885-BB56-5936-6E1E8504187B}"/>
-              </a:ext>
-            </a:extLst>
-          </p:cNvPr>
-          <p:cNvSpPr/>
-          <p:nvPr/>
-        </p:nvSpPr>
-        <p:spPr>
-          <a:xfrm>
-            <a:off x="152400" y="5325475"/>
-            <a:ext cx="2882900" cy="430887"/>
-          </a:xfrm>
-          <a:prstGeom prst="rect">
-            <a:avLst/>
-          </a:prstGeom>
-        </p:spPr>
-        <p:txBody>
-          <a:bodyPr wrap="square">
-            <a:spAutoFit/>
-          </a:bodyPr>
-          <a:lstStyle/>
-          <a:p>
-            <a:pPr marL="342900" indent="-342900">
-              <a:buFont typeface="Arial"/>
-              <a:buChar char="•"/>
-            </a:pPr>
-            <a:r>
-              <a:rPr lang="en-US" sz="2200" dirty="0">
-                <a:latin typeface="Times New Roman"/>
-                <a:cs typeface="Times New Roman"/>
-              </a:rPr>
-              <a:t>Parameters:</a:t>
-            </a:r>
-            <a:endParaRPr lang="en-US" sz="2200" i="1" dirty="0">
-              <a:latin typeface="Times New Roman"/>
-              <a:cs typeface="Times New Roman"/>
-            </a:endParaRPr>
-          </a:p>
-        </p:txBody>
-      </p:sp>
-      <p:sp>
-        <p:nvSpPr>
-          <p:cNvPr id="5" name="TextBox 4">
-            <a:extLst>
-              <a:ext uri="{FF2B5EF4-FFF2-40B4-BE49-F238E27FC236}">
-                <a16:creationId xmlns:a16="http://schemas.microsoft.com/office/drawing/2014/main" id="{5CA5D225-2011-1D82-F0D2-278B853AD07E}"/>
-              </a:ext>
-            </a:extLst>
-          </p:cNvPr>
-          <p:cNvSpPr txBox="1"/>
-          <p:nvPr/>
-        </p:nvSpPr>
-        <p:spPr>
-          <a:xfrm>
-            <a:off x="2670489" y="5173025"/>
-            <a:ext cx="4006225" cy="707886"/>
-          </a:xfrm>
-          <a:prstGeom prst="rect">
-            <a:avLst/>
-          </a:prstGeom>
-          <a:noFill/>
-        </p:spPr>
-        <p:txBody>
-          <a:bodyPr wrap="none" rtlCol="0">
-            <a:spAutoFit/>
-          </a:bodyPr>
-          <a:lstStyle/>
-          <a:p>
-            <a:r>
-              <a:rPr lang="en-US" sz="2000" dirty="0">
-                <a:latin typeface="Times New Roman" panose="02020603050405020304" pitchFamily="18" charset="0"/>
-                <a:cs typeface="Times New Roman" panose="02020603050405020304" pitchFamily="18" charset="0"/>
-              </a:rPr>
-              <a:t>Stan: </a:t>
-            </a:r>
-            <a:r>
-              <a:rPr lang="en-US" sz="2000" b="1" dirty="0" err="1">
-                <a:latin typeface="Courier"/>
-                <a:cs typeface="Times New Roman" panose="02020603050405020304" pitchFamily="18" charset="0"/>
-              </a:rPr>
-              <a:t>weibull</a:t>
-            </a:r>
-            <a:r>
-              <a:rPr lang="en-US" sz="2000" b="1" dirty="0">
-                <a:latin typeface="Courier"/>
-                <a:cs typeface="Courier"/>
-              </a:rPr>
-              <a:t>(alpha, sigma)</a:t>
-            </a:r>
-            <a:endParaRPr lang="en-US" sz="2000" b="1" dirty="0">
-              <a:latin typeface="Times New Roman" panose="02020603050405020304" pitchFamily="18" charset="0"/>
-              <a:cs typeface="Times New Roman" panose="02020603050405020304" pitchFamily="18" charset="0"/>
-            </a:endParaRPr>
-          </a:p>
-          <a:p>
-            <a:r>
-              <a:rPr lang="en-US" sz="2000" dirty="0">
-                <a:latin typeface="Times New Roman" panose="02020603050405020304" pitchFamily="18" charset="0"/>
-                <a:cs typeface="Times New Roman" panose="02020603050405020304" pitchFamily="18" charset="0"/>
-              </a:rPr>
-              <a:t>JAGS: </a:t>
-            </a:r>
-            <a:r>
-              <a:rPr lang="en-US" sz="2000" b="1" dirty="0" err="1">
-                <a:latin typeface="Courier" pitchFamily="2" charset="0"/>
-                <a:cs typeface="Times New Roman" panose="02020603050405020304" pitchFamily="18" charset="0"/>
-              </a:rPr>
-              <a:t>dweib</a:t>
-            </a:r>
-            <a:r>
-              <a:rPr lang="en-US" sz="2000" b="1" dirty="0">
-                <a:latin typeface="Courier"/>
-                <a:cs typeface="Courier"/>
-              </a:rPr>
-              <a:t>(alpha, lambda)</a:t>
-            </a:r>
-          </a:p>
-        </p:txBody>
-      </p:sp>
-      <p:pic>
-        <p:nvPicPr>
-          <p:cNvPr id="12" name="Picture 11">
-            <a:extLst>
-              <a:ext uri="{FF2B5EF4-FFF2-40B4-BE49-F238E27FC236}">
-                <a16:creationId xmlns:a16="http://schemas.microsoft.com/office/drawing/2014/main" id="{6D679F78-C38E-123B-A61D-893DBBA2AC8B}"/>
-              </a:ext>
-            </a:extLst>
-          </p:cNvPr>
-          <p:cNvPicPr>
-            <a:picLocks noChangeAspect="1"/>
-          </p:cNvPicPr>
-          <p:nvPr/>
-        </p:nvPicPr>
-        <p:blipFill>
-          <a:blip r:embed="rId3"/>
-          <a:stretch>
-            <a:fillRect/>
-          </a:stretch>
-        </p:blipFill>
-        <p:spPr>
-          <a:xfrm>
-            <a:off x="6878980" y="5231697"/>
-            <a:ext cx="1952240" cy="1435870"/>
-          </a:xfrm>
-          <a:prstGeom prst="rect">
-            <a:avLst/>
-          </a:prstGeom>
-        </p:spPr>
-      </p:pic>
-    </p:spTree>
-    <p:extLst>
-      <p:ext uri="{BB962C8B-B14F-4D97-AF65-F5344CB8AC3E}">
-        <p14:creationId xmlns:p14="http://schemas.microsoft.com/office/powerpoint/2010/main" val="2655437537"/>
-      </p:ext>
-    </p:extLst>
-  </p:cSld>
-  <p:clrMapOvr>
-    <a:masterClrMapping/>
-  </p:clrMapOvr>
-  <p:timing>
-    <p:tnLst>
-      <p:par>
-        <p:cTn id="1" dur="indefinite" restart="never" nodeType="tmRoot">
-          <p:childTnLst>
-            <p:seq concurrent="1" nextAc="seek">
-              <p:cTn id="2" dur="indefinite" nodeType="mainSeq">
-                <p:childTnLst>
-                  <p:par>
-                    <p:cTn id="3" fill="hold">
-                      <p:stCondLst>
-                        <p:cond delay="indefinite"/>
-                      </p:stCondLst>
-                      <p:childTnLst>
-                        <p:par>
-                          <p:cTn id="4" fill="hold">
-                            <p:stCondLst>
-                              <p:cond delay="0"/>
-                            </p:stCondLst>
-                            <p:childTnLst>
-                              <p:par>
-                                <p:cTn id="5" presetID="2" presetClass="entr" presetSubtype="4" fill="hold" grpId="0" nodeType="clickEffect">
-                                  <p:stCondLst>
-                                    <p:cond delay="0"/>
-                                  </p:stCondLst>
-                                  <p:childTnLst>
-                                    <p:set>
-                                      <p:cBhvr>
-                                        <p:cTn id="6" dur="1" fill="hold">
-                                          <p:stCondLst>
-                                            <p:cond delay="0"/>
-                                          </p:stCondLst>
-                                        </p:cTn>
-                                        <p:tgtEl>
-                                          <p:spTgt spid="2"/>
-                                        </p:tgtEl>
-                                        <p:attrNameLst>
-                                          <p:attrName>style.visibility</p:attrName>
-                                        </p:attrNameLst>
-                                      </p:cBhvr>
-                                      <p:to>
-                                        <p:strVal val="visible"/>
-                                      </p:to>
-                                    </p:set>
-                                    <p:anim calcmode="lin" valueType="num">
-                                      <p:cBhvr additive="base">
-                                        <p:cTn id="7" dur="500" fill="hold"/>
-                                        <p:tgtEl>
-                                          <p:spTgt spid="2"/>
-                                        </p:tgtEl>
-                                        <p:attrNameLst>
-                                          <p:attrName>ppt_x</p:attrName>
-                                        </p:attrNameLst>
-                                      </p:cBhvr>
-                                      <p:tavLst>
-                                        <p:tav tm="0">
-                                          <p:val>
-                                            <p:strVal val="#ppt_x"/>
-                                          </p:val>
-                                        </p:tav>
-                                        <p:tav tm="100000">
-                                          <p:val>
-                                            <p:strVal val="#ppt_x"/>
-                                          </p:val>
-                                        </p:tav>
-                                      </p:tavLst>
-                                    </p:anim>
-                                    <p:anim calcmode="lin" valueType="num">
-                                      <p:cBhvr additive="base">
-                                        <p:cTn id="8" dur="500" fill="hold"/>
-                                        <p:tgtEl>
-                                          <p:spTgt spid="2"/>
-                                        </p:tgtEl>
-                                        <p:attrNameLst>
-                                          <p:attrName>ppt_y</p:attrName>
-                                        </p:attrNameLst>
-                                      </p:cBhvr>
-                                      <p:tavLst>
-                                        <p:tav tm="0">
-                                          <p:val>
-                                            <p:strVal val="1+#ppt_h/2"/>
-                                          </p:val>
-                                        </p:tav>
-                                        <p:tav tm="100000">
-                                          <p:val>
-                                            <p:strVal val="#ppt_y"/>
-                                          </p:val>
-                                        </p:tav>
-                                      </p:tavLst>
-                                    </p:anim>
-                                  </p:childTnLst>
-                                </p:cTn>
-                              </p:par>
-                              <p:par>
-                                <p:cTn id="9" presetID="2" presetClass="entr" presetSubtype="4" fill="hold" grpId="0" nodeType="withEffect">
-                                  <p:stCondLst>
-                                    <p:cond delay="0"/>
-                                  </p:stCondLst>
-                                  <p:childTnLst>
-                                    <p:set>
-                                      <p:cBhvr>
-                                        <p:cTn id="10" dur="1" fill="hold">
-                                          <p:stCondLst>
-                                            <p:cond delay="0"/>
-                                          </p:stCondLst>
-                                        </p:cTn>
-                                        <p:tgtEl>
-                                          <p:spTgt spid="3"/>
-                                        </p:tgtEl>
-                                        <p:attrNameLst>
-                                          <p:attrName>style.visibility</p:attrName>
-                                        </p:attrNameLst>
-                                      </p:cBhvr>
-                                      <p:to>
-                                        <p:strVal val="visible"/>
-                                      </p:to>
-                                    </p:set>
-                                    <p:anim calcmode="lin" valueType="num">
-                                      <p:cBhvr additive="base">
-                                        <p:cTn id="11" dur="500" fill="hold"/>
-                                        <p:tgtEl>
-                                          <p:spTgt spid="3"/>
-                                        </p:tgtEl>
-                                        <p:attrNameLst>
-                                          <p:attrName>ppt_x</p:attrName>
-                                        </p:attrNameLst>
-                                      </p:cBhvr>
-                                      <p:tavLst>
-                                        <p:tav tm="0">
-                                          <p:val>
-                                            <p:strVal val="#ppt_x"/>
-                                          </p:val>
-                                        </p:tav>
-                                        <p:tav tm="100000">
-                                          <p:val>
-                                            <p:strVal val="#ppt_x"/>
-                                          </p:val>
-                                        </p:tav>
-                                      </p:tavLst>
-                                    </p:anim>
-                                    <p:anim calcmode="lin" valueType="num">
-                                      <p:cBhvr additive="base">
-                                        <p:cTn id="12" dur="500" fill="hold"/>
-                                        <p:tgtEl>
-                                          <p:spTgt spid="3"/>
-                                        </p:tgtEl>
-                                        <p:attrNameLst>
-                                          <p:attrName>ppt_y</p:attrName>
-                                        </p:attrNameLst>
-                                      </p:cBhvr>
-                                      <p:tavLst>
-                                        <p:tav tm="0">
-                                          <p:val>
-                                            <p:strVal val="1+#ppt_h/2"/>
-                                          </p:val>
-                                        </p:tav>
-                                        <p:tav tm="100000">
-                                          <p:val>
-                                            <p:strVal val="#ppt_y"/>
-                                          </p:val>
-                                        </p:tav>
-                                      </p:tavLst>
-                                    </p:anim>
-                                  </p:childTnLst>
-                                </p:cTn>
-                              </p:par>
-                              <p:par>
-                                <p:cTn id="13" presetID="2" presetClass="entr" presetSubtype="4" fill="hold" grpId="0" nodeType="withEffect">
-                                  <p:stCondLst>
-                                    <p:cond delay="0"/>
-                                  </p:stCondLst>
-                                  <p:childTnLst>
-                                    <p:set>
-                                      <p:cBhvr>
-                                        <p:cTn id="14" dur="1" fill="hold">
-                                          <p:stCondLst>
-                                            <p:cond delay="0"/>
-                                          </p:stCondLst>
-                                        </p:cTn>
-                                        <p:tgtEl>
-                                          <p:spTgt spid="4"/>
-                                        </p:tgtEl>
-                                        <p:attrNameLst>
-                                          <p:attrName>style.visibility</p:attrName>
-                                        </p:attrNameLst>
-                                      </p:cBhvr>
-                                      <p:to>
-                                        <p:strVal val="visible"/>
-                                      </p:to>
-                                    </p:set>
-                                    <p:anim calcmode="lin" valueType="num">
-                                      <p:cBhvr additive="base">
-                                        <p:cTn id="15" dur="500" fill="hold"/>
-                                        <p:tgtEl>
-                                          <p:spTgt spid="4"/>
-                                        </p:tgtEl>
-                                        <p:attrNameLst>
-                                          <p:attrName>ppt_x</p:attrName>
-                                        </p:attrNameLst>
-                                      </p:cBhvr>
-                                      <p:tavLst>
-                                        <p:tav tm="0">
-                                          <p:val>
-                                            <p:strVal val="#ppt_x"/>
-                                          </p:val>
-                                        </p:tav>
-                                        <p:tav tm="100000">
-                                          <p:val>
-                                            <p:strVal val="#ppt_x"/>
-                                          </p:val>
-                                        </p:tav>
-                                      </p:tavLst>
-                                    </p:anim>
-                                    <p:anim calcmode="lin" valueType="num">
-                                      <p:cBhvr additive="base">
-                                        <p:cTn id="16" dur="500" fill="hold"/>
-                                        <p:tgtEl>
-                                          <p:spTgt spid="4"/>
-                                        </p:tgtEl>
-                                        <p:attrNameLst>
-                                          <p:attrName>ppt_y</p:attrName>
-                                        </p:attrNameLst>
-                                      </p:cBhvr>
-                                      <p:tavLst>
-                                        <p:tav tm="0">
-                                          <p:val>
-                                            <p:strVal val="1+#ppt_h/2"/>
-                                          </p:val>
-                                        </p:tav>
-                                        <p:tav tm="100000">
-                                          <p:val>
-                                            <p:strVal val="#ppt_y"/>
-                                          </p:val>
-                                        </p:tav>
-                                      </p:tavLst>
-                                    </p:anim>
-                                  </p:childTnLst>
-                                </p:cTn>
-                              </p:par>
-                              <p:par>
-                                <p:cTn id="17" presetID="2" presetClass="entr" presetSubtype="4" fill="hold" grpId="0" nodeType="withEffect">
-                                  <p:stCondLst>
-                                    <p:cond delay="0"/>
-                                  </p:stCondLst>
-                                  <p:childTnLst>
-                                    <p:set>
-                                      <p:cBhvr>
-                                        <p:cTn id="18" dur="1" fill="hold">
-                                          <p:stCondLst>
-                                            <p:cond delay="0"/>
-                                          </p:stCondLst>
-                                        </p:cTn>
-                                        <p:tgtEl>
-                                          <p:spTgt spid="5"/>
-                                        </p:tgtEl>
-                                        <p:attrNameLst>
-                                          <p:attrName>style.visibility</p:attrName>
-                                        </p:attrNameLst>
-                                      </p:cBhvr>
-                                      <p:to>
-                                        <p:strVal val="visible"/>
-                                      </p:to>
-                                    </p:set>
-                                    <p:anim calcmode="lin" valueType="num">
-                                      <p:cBhvr additive="base">
-                                        <p:cTn id="19" dur="500" fill="hold"/>
-                                        <p:tgtEl>
-                                          <p:spTgt spid="5"/>
-                                        </p:tgtEl>
-                                        <p:attrNameLst>
-                                          <p:attrName>ppt_x</p:attrName>
-                                        </p:attrNameLst>
-                                      </p:cBhvr>
-                                      <p:tavLst>
-                                        <p:tav tm="0">
-                                          <p:val>
-                                            <p:strVal val="#ppt_x"/>
-                                          </p:val>
-                                        </p:tav>
-                                        <p:tav tm="100000">
-                                          <p:val>
-                                            <p:strVal val="#ppt_x"/>
-                                          </p:val>
-                                        </p:tav>
-                                      </p:tavLst>
-                                    </p:anim>
-                                    <p:anim calcmode="lin" valueType="num">
-                                      <p:cBhvr additive="base">
-                                        <p:cTn id="20" dur="500" fill="hold"/>
-                                        <p:tgtEl>
-                                          <p:spTgt spid="5"/>
-                                        </p:tgtEl>
-                                        <p:attrNameLst>
-                                          <p:attrName>ppt_y</p:attrName>
-                                        </p:attrNameLst>
-                                      </p:cBhvr>
-                                      <p:tavLst>
-                                        <p:tav tm="0">
-                                          <p:val>
-                                            <p:strVal val="1+#ppt_h/2"/>
-                                          </p:val>
-                                        </p:tav>
-                                        <p:tav tm="100000">
-                                          <p:val>
-                                            <p:strVal val="#ppt_y"/>
-                                          </p:val>
-                                        </p:tav>
-                                      </p:tavLst>
-                                    </p:anim>
-                                  </p:childTnLst>
-                                </p:cTn>
-                              </p:par>
-                              <p:par>
-                                <p:cTn id="21" presetID="2" presetClass="entr" presetSubtype="4" fill="hold" nodeType="withEffect">
-                                  <p:stCondLst>
-                                    <p:cond delay="0"/>
-                                  </p:stCondLst>
-                                  <p:childTnLst>
-                                    <p:set>
-                                      <p:cBhvr>
-                                        <p:cTn id="22" dur="1" fill="hold">
-                                          <p:stCondLst>
-                                            <p:cond delay="0"/>
-                                          </p:stCondLst>
-                                        </p:cTn>
-                                        <p:tgtEl>
-                                          <p:spTgt spid="12"/>
-                                        </p:tgtEl>
-                                        <p:attrNameLst>
-                                          <p:attrName>style.visibility</p:attrName>
-                                        </p:attrNameLst>
-                                      </p:cBhvr>
-                                      <p:to>
-                                        <p:strVal val="visible"/>
-                                      </p:to>
-                                    </p:set>
-                                    <p:anim calcmode="lin" valueType="num">
-                                      <p:cBhvr additive="base">
-                                        <p:cTn id="23" dur="500" fill="hold"/>
-                                        <p:tgtEl>
-                                          <p:spTgt spid="12"/>
-                                        </p:tgtEl>
-                                        <p:attrNameLst>
-                                          <p:attrName>ppt_x</p:attrName>
-                                        </p:attrNameLst>
-                                      </p:cBhvr>
-                                      <p:tavLst>
-                                        <p:tav tm="0">
-                                          <p:val>
-                                            <p:strVal val="#ppt_x"/>
-                                          </p:val>
-                                        </p:tav>
-                                        <p:tav tm="100000">
-                                          <p:val>
-                                            <p:strVal val="#ppt_x"/>
-                                          </p:val>
-                                        </p:tav>
-                                      </p:tavLst>
-                                    </p:anim>
-                                    <p:anim calcmode="lin" valueType="num">
-                                      <p:cBhvr additive="base">
-                                        <p:cTn id="24" dur="500" fill="hold"/>
-                                        <p:tgtEl>
-                                          <p:spTgt spid="12"/>
-                                        </p:tgtEl>
-                                        <p:attrNameLst>
-                                          <p:attrName>ppt_y</p:attrName>
-                                        </p:attrNameLst>
-                                      </p:cBhvr>
-                                      <p:tavLst>
-                                        <p:tav tm="0">
-                                          <p:val>
-                                            <p:strVal val="1+#ppt_h/2"/>
-                                          </p:val>
-                                        </p:tav>
-                                        <p:tav tm="100000">
-                                          <p:val>
-                                            <p:strVal val="#ppt_y"/>
-                                          </p:val>
-                                        </p:tav>
-                                      </p:tavLst>
-                                    </p:anim>
-                                  </p:childTnLst>
-                                </p:cTn>
-                              </p:par>
-                            </p:childTnLst>
-                          </p:cTn>
-                        </p:par>
-                      </p:childTnLst>
-                    </p:cTn>
-                  </p:par>
-                </p:childTnLst>
-              </p:cTn>
-              <p:prevCondLst>
-                <p:cond evt="onPrev" delay="0">
-                  <p:tgtEl>
-                    <p:sldTgt/>
-                  </p:tgtEl>
-                </p:cond>
-              </p:prevCondLst>
-              <p:nextCondLst>
-                <p:cond evt="onNext" delay="0">
-                  <p:tgtEl>
-                    <p:sldTgt/>
-                  </p:tgtEl>
-                </p:cond>
-              </p:nextCondLst>
-            </p:seq>
-          </p:childTnLst>
-        </p:cTn>
-      </p:par>
-    </p:tnLst>
-    <p:bldLst>
-      <p:bldP spid="2" grpId="0"/>
-      <p:bldP spid="3" grpId="0"/>
-      <p:bldP spid="4" grpId="0"/>
-      <p:bldP spid="5" grpId="0"/>
     </p:bldLst>
   </p:timing>
 </p:sld>
